--- a/presentation/presentation.pptx
+++ b/presentation/presentation.pptx
@@ -113,6 +113,11 @@
       </a:defRPr>
     </a:lvl9pPr>
   </p:defaultTextStyle>
+  <p:extLst>
+    <p:ext uri="{EFAFB233-063F-42B5-8137-9DF3F51BA10A}">
+      <p15:sldGuideLst xmlns:p15="http://schemas.microsoft.com/office/powerpoint/2012/main"/>
+    </p:ext>
+  </p:extLst>
 </p:presentation>
 </file>
 
@@ -1247,7 +1252,7 @@
           <a:p>
             <a:fld id="{B076BDD8-3B5F-4559-AE88-4A7EEB823B40}" type="datetimeFigureOut">
               <a:rPr lang="en-US" smtClean="0"/>
-              <a:t>5/15/2020</a:t>
+              <a:t>5/18/2020</a:t>
             </a:fld>
             <a:endParaRPr lang="en-US"/>
           </a:p>
@@ -1445,7 +1450,7 @@
           <a:p>
             <a:fld id="{B076BDD8-3B5F-4559-AE88-4A7EEB823B40}" type="datetimeFigureOut">
               <a:rPr lang="en-US" smtClean="0"/>
-              <a:t>5/15/2020</a:t>
+              <a:t>5/18/2020</a:t>
             </a:fld>
             <a:endParaRPr lang="en-US"/>
           </a:p>
@@ -1653,7 +1658,7 @@
           <a:p>
             <a:fld id="{B076BDD8-3B5F-4559-AE88-4A7EEB823B40}" type="datetimeFigureOut">
               <a:rPr lang="en-US" smtClean="0"/>
-              <a:t>5/15/2020</a:t>
+              <a:t>5/18/2020</a:t>
             </a:fld>
             <a:endParaRPr lang="en-US"/>
           </a:p>
@@ -1851,7 +1856,7 @@
           <a:p>
             <a:fld id="{B076BDD8-3B5F-4559-AE88-4A7EEB823B40}" type="datetimeFigureOut">
               <a:rPr lang="en-US" smtClean="0"/>
-              <a:t>5/15/2020</a:t>
+              <a:t>5/18/2020</a:t>
             </a:fld>
             <a:endParaRPr lang="en-US"/>
           </a:p>
@@ -2126,7 +2131,7 @@
           <a:p>
             <a:fld id="{B076BDD8-3B5F-4559-AE88-4A7EEB823B40}" type="datetimeFigureOut">
               <a:rPr lang="en-US" smtClean="0"/>
-              <a:t>5/15/2020</a:t>
+              <a:t>5/18/2020</a:t>
             </a:fld>
             <a:endParaRPr lang="en-US"/>
           </a:p>
@@ -2391,7 +2396,7 @@
           <a:p>
             <a:fld id="{B076BDD8-3B5F-4559-AE88-4A7EEB823B40}" type="datetimeFigureOut">
               <a:rPr lang="en-US" smtClean="0"/>
-              <a:t>5/15/2020</a:t>
+              <a:t>5/18/2020</a:t>
             </a:fld>
             <a:endParaRPr lang="en-US"/>
           </a:p>
@@ -2803,7 +2808,7 @@
           <a:p>
             <a:fld id="{B076BDD8-3B5F-4559-AE88-4A7EEB823B40}" type="datetimeFigureOut">
               <a:rPr lang="en-US" smtClean="0"/>
-              <a:t>5/15/2020</a:t>
+              <a:t>5/18/2020</a:t>
             </a:fld>
             <a:endParaRPr lang="en-US"/>
           </a:p>
@@ -2944,7 +2949,7 @@
           <a:p>
             <a:fld id="{B076BDD8-3B5F-4559-AE88-4A7EEB823B40}" type="datetimeFigureOut">
               <a:rPr lang="en-US" smtClean="0"/>
-              <a:t>5/15/2020</a:t>
+              <a:t>5/18/2020</a:t>
             </a:fld>
             <a:endParaRPr lang="en-US"/>
           </a:p>
@@ -3057,7 +3062,7 @@
           <a:p>
             <a:fld id="{B076BDD8-3B5F-4559-AE88-4A7EEB823B40}" type="datetimeFigureOut">
               <a:rPr lang="en-US" smtClean="0"/>
-              <a:t>5/15/2020</a:t>
+              <a:t>5/18/2020</a:t>
             </a:fld>
             <a:endParaRPr lang="en-US"/>
           </a:p>
@@ -3368,7 +3373,7 @@
           <a:p>
             <a:fld id="{B076BDD8-3B5F-4559-AE88-4A7EEB823B40}" type="datetimeFigureOut">
               <a:rPr lang="en-US" smtClean="0"/>
-              <a:t>5/15/2020</a:t>
+              <a:t>5/18/2020</a:t>
             </a:fld>
             <a:endParaRPr lang="en-US"/>
           </a:p>
@@ -3656,7 +3661,7 @@
           <a:p>
             <a:fld id="{B076BDD8-3B5F-4559-AE88-4A7EEB823B40}" type="datetimeFigureOut">
               <a:rPr lang="en-US" smtClean="0"/>
-              <a:t>5/15/2020</a:t>
+              <a:t>5/18/2020</a:t>
             </a:fld>
             <a:endParaRPr lang="en-US"/>
           </a:p>
@@ -3897,7 +3902,7 @@
           <a:p>
             <a:fld id="{B076BDD8-3B5F-4559-AE88-4A7EEB823B40}" type="datetimeFigureOut">
               <a:rPr lang="en-US" smtClean="0"/>
-              <a:t>5/15/2020</a:t>
+              <a:t>5/18/2020</a:t>
             </a:fld>
             <a:endParaRPr lang="en-US"/>
           </a:p>
@@ -4945,8 +4950,8 @@
         </p:nvSpPr>
         <p:spPr>
           <a:xfrm>
-            <a:off x="3414154" y="6183233"/>
-            <a:ext cx="1503680" cy="369332"/>
+            <a:off x="3901833" y="6021740"/>
+            <a:ext cx="1035927" cy="369332"/>
           </a:xfrm>
           <a:prstGeom prst="rect">
             <a:avLst/>
@@ -4961,7 +4966,7 @@
           <a:p>
             <a:r>
               <a:rPr lang="en-US" dirty="0"/>
-              <a:t>Raspberry Pi</a:t>
+              <a:t>Server</a:t>
             </a:r>
           </a:p>
         </p:txBody>
@@ -4996,7 +5001,7 @@
           <a:p>
             <a:r>
               <a:rPr lang="en-US" dirty="0"/>
-              <a:t>PC</a:t>
+              <a:t>Client</a:t>
             </a:r>
           </a:p>
         </p:txBody>
@@ -5861,8 +5866,21 @@
             </a:pPr>
             <a:r>
               <a:rPr lang="en-US" dirty="0"/>
-              <a:t>git clone https://github.com/Oidlichtnwoada/OpcUaServerWrapper.git</a:t>
-            </a:r>
+              <a:t>git clone </a:t>
+            </a:r>
+            <a:r>
+              <a:rPr lang="en-US" dirty="0">
+                <a:hlinkClick r:id="rId2">
+                  <a:extLst>
+                    <a:ext uri="{A12FA001-AC4F-418D-AE19-62706E023703}">
+                      <ahyp:hlinkClr xmlns:ahyp="http://schemas.microsoft.com/office/drawing/2018/hyperlinkcolor" val="tx"/>
+                    </a:ext>
+                  </a:extLst>
+                </a:hlinkClick>
+              </a:rPr>
+              <a:t>https://github.com/Oidlichtnwoada/OpcUaServerWrapper.git</a:t>
+            </a:r>
+            <a:endParaRPr lang="en-US" dirty="0"/>
           </a:p>
         </p:txBody>
       </p:sp>
@@ -6763,7 +6781,7 @@
         </p:blipFill>
         <p:spPr>
           <a:xfrm>
-            <a:off x="9339095" y="375953"/>
+            <a:off x="9339095" y="325153"/>
             <a:ext cx="1686419" cy="1686419"/>
           </a:xfrm>
           <a:prstGeom prst="rect">
@@ -7299,7 +7317,7 @@
         </p:nvSpPr>
         <p:spPr>
           <a:xfrm>
-            <a:off x="5954155" y="388942"/>
+            <a:off x="3263075" y="526136"/>
             <a:ext cx="2497486" cy="611676"/>
           </a:xfrm>
           <a:prstGeom prst="ellipse">
@@ -7346,7 +7364,7 @@
         </p:nvSpPr>
         <p:spPr>
           <a:xfrm>
-            <a:off x="7095228" y="890694"/>
+            <a:off x="5252790" y="882541"/>
             <a:ext cx="809057" cy="403899"/>
           </a:xfrm>
           <a:prstGeom prst="ellipse">
@@ -7390,7 +7408,142 @@
         </p:nvSpPr>
         <p:spPr>
           <a:xfrm>
-            <a:off x="6975754" y="1184669"/>
+            <a:off x="5770922" y="1168362"/>
+            <a:ext cx="366466" cy="255863"/>
+          </a:xfrm>
+          <a:prstGeom prst="ellipse">
+            <a:avLst/>
+          </a:prstGeom>
+        </p:spPr>
+        <p:style>
+          <a:lnRef idx="2">
+            <a:schemeClr val="accent3"/>
+          </a:lnRef>
+          <a:fillRef idx="1">
+            <a:schemeClr val="lt1"/>
+          </a:fillRef>
+          <a:effectRef idx="0">
+            <a:schemeClr val="accent3"/>
+          </a:effectRef>
+          <a:fontRef idx="minor">
+            <a:schemeClr val="dk1"/>
+          </a:fontRef>
+        </p:style>
+        <p:txBody>
+          <a:bodyPr rtlCol="0" anchor="ctr"/>
+          <a:lstStyle/>
+          <a:p>
+            <a:pPr algn="ctr"/>
+            <a:endParaRPr lang="en-US" dirty="0"/>
+          </a:p>
+        </p:txBody>
+      </p:sp>
+      <p:sp>
+        <p:nvSpPr>
+          <p:cNvPr id="29" name="Oval 28">
+            <a:extLst>
+              <a:ext uri="{FF2B5EF4-FFF2-40B4-BE49-F238E27FC236}">
+                <a16:creationId xmlns:a16="http://schemas.microsoft.com/office/drawing/2014/main" id="{7D575CE9-A64D-43BE-9459-713D4BBD4D6D}"/>
+              </a:ext>
+            </a:extLst>
+          </p:cNvPr>
+          <p:cNvSpPr/>
+          <p:nvPr/>
+        </p:nvSpPr>
+        <p:spPr>
+          <a:xfrm>
+            <a:off x="6280094" y="258772"/>
+            <a:ext cx="3163614" cy="611676"/>
+          </a:xfrm>
+          <a:prstGeom prst="ellipse">
+            <a:avLst/>
+          </a:prstGeom>
+        </p:spPr>
+        <p:style>
+          <a:lnRef idx="2">
+            <a:schemeClr val="accent3"/>
+          </a:lnRef>
+          <a:fillRef idx="1">
+            <a:schemeClr val="lt1"/>
+          </a:fillRef>
+          <a:effectRef idx="0">
+            <a:schemeClr val="accent3"/>
+          </a:effectRef>
+          <a:fontRef idx="minor">
+            <a:schemeClr val="dk1"/>
+          </a:fontRef>
+        </p:style>
+        <p:txBody>
+          <a:bodyPr rtlCol="0" anchor="ctr"/>
+          <a:lstStyle/>
+          <a:p>
+            <a:pPr algn="ctr"/>
+            <a:r>
+              <a:rPr lang="en-US" dirty="0"/>
+              <a:t>… communicates with Controller …</a:t>
+            </a:r>
+          </a:p>
+        </p:txBody>
+      </p:sp>
+      <p:sp>
+        <p:nvSpPr>
+          <p:cNvPr id="30" name="Oval 29">
+            <a:extLst>
+              <a:ext uri="{FF2B5EF4-FFF2-40B4-BE49-F238E27FC236}">
+                <a16:creationId xmlns:a16="http://schemas.microsoft.com/office/drawing/2014/main" id="{A0550948-5E46-4A13-829C-CFB4F3D10384}"/>
+              </a:ext>
+            </a:extLst>
+          </p:cNvPr>
+          <p:cNvSpPr/>
+          <p:nvPr/>
+        </p:nvSpPr>
+        <p:spPr>
+          <a:xfrm>
+            <a:off x="8672967" y="708187"/>
+            <a:ext cx="809057" cy="403899"/>
+          </a:xfrm>
+          <a:prstGeom prst="ellipse">
+            <a:avLst/>
+          </a:prstGeom>
+        </p:spPr>
+        <p:style>
+          <a:lnRef idx="2">
+            <a:schemeClr val="accent3"/>
+          </a:lnRef>
+          <a:fillRef idx="1">
+            <a:schemeClr val="lt1"/>
+          </a:fillRef>
+          <a:effectRef idx="0">
+            <a:schemeClr val="accent3"/>
+          </a:effectRef>
+          <a:fontRef idx="minor">
+            <a:schemeClr val="dk1"/>
+          </a:fontRef>
+        </p:style>
+        <p:txBody>
+          <a:bodyPr rtlCol="0" anchor="ctr"/>
+          <a:lstStyle/>
+          <a:p>
+            <a:pPr algn="ctr"/>
+            <a:endParaRPr lang="en-US" dirty="0"/>
+          </a:p>
+        </p:txBody>
+      </p:sp>
+      <p:sp>
+        <p:nvSpPr>
+          <p:cNvPr id="32" name="Oval 31">
+            <a:extLst>
+              <a:ext uri="{FF2B5EF4-FFF2-40B4-BE49-F238E27FC236}">
+                <a16:creationId xmlns:a16="http://schemas.microsoft.com/office/drawing/2014/main" id="{6393BF41-975E-4A37-8785-68977CDB0C29}"/>
+              </a:ext>
+            </a:extLst>
+          </p:cNvPr>
+          <p:cNvSpPr/>
+          <p:nvPr/>
+        </p:nvSpPr>
+        <p:spPr>
+          <a:xfrm>
+            <a:off x="9191099" y="994008"/>
             <a:ext cx="366466" cy="255863"/>
           </a:xfrm>
           <a:prstGeom prst="ellipse">
@@ -7517,8 +7670,21 @@
             </a:pPr>
             <a:r>
               <a:rPr lang="en-US" dirty="0"/>
-              <a:t>git clone https://github.com/FreeOpcUa/python-opcua.git</a:t>
-            </a:r>
+              <a:t>git clone </a:t>
+            </a:r>
+            <a:r>
+              <a:rPr lang="en-US" dirty="0">
+                <a:hlinkClick r:id="rId2">
+                  <a:extLst>
+                    <a:ext uri="{A12FA001-AC4F-418D-AE19-62706E023703}">
+                      <ahyp:hlinkClr xmlns:ahyp="http://schemas.microsoft.com/office/drawing/2018/hyperlinkcolor" val="tx"/>
+                    </a:ext>
+                  </a:extLst>
+                </a:hlinkClick>
+              </a:rPr>
+              <a:t>https://github.com/FreeOpcUa/python-opcua.git</a:t>
+            </a:r>
+            <a:endParaRPr lang="en-US" dirty="0"/>
           </a:p>
         </p:txBody>
       </p:sp>
